--- a/idw.pptx
+++ b/idw.pptx
@@ -467,7 +467,7 @@
           <a:p>
             <a:fld id="{332A3CF0-E51C-44DF-9BC2-BEDB20B79F74}" type="datetimeFigureOut">
               <a:rPr lang="de-DE" smtClean="0"/>
-              <a:t>22.10.2025</a:t>
+              <a:t>23.10.2025</a:t>
             </a:fld>
             <a:endParaRPr lang="de-DE"/>
           </a:p>
@@ -2287,7 +2287,7 @@
           </a:ln>
           <a:extLst>
             <a:ext uri="{C572A759-6A51-4108-AA02-DFA0A04FC94B}">
-              <ma14:wrappingTextBoxFlag xmlns="" xmlns:ma14="http://schemas.microsoft.com/office/mac/drawingml/2011/main" val="1"/>
+              <ma14:wrappingTextBoxFlag xmlns:ma14="http://schemas.microsoft.com/office/mac/drawingml/2011/main" xmlns="" val="1"/>
             </a:ext>
           </a:extLst>
         </p:spPr>
@@ -2326,7 +2326,7 @@
           </a:ln>
           <a:extLst>
             <a:ext uri="{C572A759-6A51-4108-AA02-DFA0A04FC94B}">
-              <ma14:wrappingTextBoxFlag xmlns="" xmlns:ma14="http://schemas.microsoft.com/office/mac/drawingml/2011/main" val="1"/>
+              <ma14:wrappingTextBoxFlag xmlns:ma14="http://schemas.microsoft.com/office/mac/drawingml/2011/main" xmlns="" val="1"/>
             </a:ext>
           </a:extLst>
         </p:spPr>
@@ -3606,7 +3606,7 @@
                   <a:schemeClr val="bg1"/>
                 </a:solidFill>
               </a:rPr>
-              <a:t>27. – 28.10 2025</a:t>
+              <a:t>27. – 28.10. 2025</a:t>
             </a:r>
           </a:p>
           <a:p>
@@ -5627,7 +5627,7 @@
         <p:spPr>
           <a:xfrm>
             <a:off x="1439949" y="1016059"/>
-            <a:ext cx="6264100" cy="4527330"/>
+            <a:ext cx="6264100" cy="4960012"/>
           </a:xfrm>
           <a:prstGeom prst="rect">
             <a:avLst/>
@@ -5666,7 +5666,7 @@
                 </a:solidFill>
                 <a:latin typeface="Corporate S" pitchFamily="2" charset="0"/>
               </a:rPr>
-              <a:t>   	  - (Politische) Desinformation</a:t>
+              <a:t>   	  - (Politische) Desinformation </a:t>
             </a:r>
           </a:p>
           <a:p>
@@ -5774,14 +5774,20 @@
                 </a:solidFill>
                 <a:latin typeface="Corporate S" pitchFamily="2" charset="0"/>
               </a:rPr>
-              <a:t>	  - </a:t>
+              <a:t>	  </a:t>
             </a:r>
           </a:p>
           <a:p>
+            <a:pPr lvl="3" indent="0" algn="l"/>
+            <a:endParaRPr lang="de-DE" sz="1406" dirty="0">
+              <a:solidFill>
+                <a:schemeClr val="bg1"/>
+              </a:solidFill>
+              <a:latin typeface="Corporate S" pitchFamily="2" charset="0"/>
+            </a:endParaRPr>
+          </a:p>
+          <a:p>
             <a:pPr marL="285750" lvl="3" indent="-285750" algn="l">
-              <a:lnSpc>
-                <a:spcPct val="150000"/>
-              </a:lnSpc>
               <a:buFont typeface="Arial" panose="020B0604020202020204" pitchFamily="34" charset="0"/>
               <a:buChar char="•"/>
             </a:pPr>
@@ -5832,7 +5838,7 @@
             </a:r>
           </a:p>
           <a:p>
-            <a:pPr marL="285750" lvl="3" indent="-285750" algn="l">
+            <a:pPr marL="285750" lvl="4" indent="-285750" algn="l">
               <a:lnSpc>
                 <a:spcPct val="150000"/>
               </a:lnSpc>
@@ -5864,7 +5870,7 @@
                 </a:solidFill>
                 <a:latin typeface="Corporate S" pitchFamily="2" charset="0"/>
               </a:rPr>
-              <a:t>Negative Auswirkung auf Umwelt</a:t>
+              <a:t>Politische Dimension (Hardware-Exportbeschränkungen)</a:t>
             </a:r>
           </a:p>
           <a:p>
@@ -5882,8 +5888,41 @@
                 </a:solidFill>
                 <a:latin typeface="Corporate S" pitchFamily="2" charset="0"/>
               </a:rPr>
-              <a:t>Politische Dimension (Hardware-Exportbeschränkungen)</a:t>
+              <a:t>Negative Auswirkung auf Umwelt (Energie, CO</a:t>
             </a:r>
+            <a:r>
+              <a:rPr lang="de-DE" sz="1406" baseline="-25000" dirty="0">
+                <a:solidFill>
+                  <a:schemeClr val="bg1"/>
+                </a:solidFill>
+                <a:latin typeface="Corporate S" pitchFamily="2" charset="0"/>
+              </a:rPr>
+              <a:t>2</a:t>
+            </a:r>
+            <a:r>
+              <a:rPr lang="de-DE" sz="1406" dirty="0">
+                <a:solidFill>
+                  <a:schemeClr val="bg1"/>
+                </a:solidFill>
+                <a:latin typeface="Corporate S" pitchFamily="2" charset="0"/>
+              </a:rPr>
+              <a:t>, Ressourcen)</a:t>
+            </a:r>
+          </a:p>
+          <a:p>
+            <a:pPr marL="285750" lvl="3" indent="-285750" algn="l">
+              <a:lnSpc>
+                <a:spcPct val="150000"/>
+              </a:lnSpc>
+              <a:buFont typeface="Arial" panose="020B0604020202020204" pitchFamily="34" charset="0"/>
+              <a:buChar char="•"/>
+            </a:pPr>
+            <a:endParaRPr lang="de-DE" sz="1406" dirty="0">
+              <a:solidFill>
+                <a:schemeClr val="bg1"/>
+              </a:solidFill>
+              <a:latin typeface="Corporate S" pitchFamily="2" charset="0"/>
+            </a:endParaRPr>
           </a:p>
           <a:p>
             <a:pPr marL="285750" lvl="3" indent="-285750" algn="l">
@@ -6306,7 +6345,7 @@
           </a:ln>
           <a:extLst>
             <a:ext uri="{C572A759-6A51-4108-AA02-DFA0A04FC94B}">
-              <ma14:wrappingTextBoxFlag xmlns="" xmlns:ma14="http://schemas.microsoft.com/office/mac/drawingml/2011/main" val="1"/>
+              <ma14:wrappingTextBoxFlag xmlns:ma14="http://schemas.microsoft.com/office/mac/drawingml/2011/main" xmlns="" val="1"/>
             </a:ext>
           </a:extLst>
         </p:spPr>
@@ -6628,7 +6667,7 @@
           </a:ln>
           <a:extLst>
             <a:ext uri="{C572A759-6A51-4108-AA02-DFA0A04FC94B}">
-              <ma14:wrappingTextBoxFlag xmlns="" xmlns:ma14="http://schemas.microsoft.com/office/mac/drawingml/2011/main" val="1"/>
+              <ma14:wrappingTextBoxFlag xmlns:ma14="http://schemas.microsoft.com/office/mac/drawingml/2011/main" xmlns="" val="1"/>
             </a:ext>
           </a:extLst>
         </p:spPr>
@@ -7129,7 +7168,7 @@
           </a:ln>
           <a:extLst>
             <a:ext uri="{C572A759-6A51-4108-AA02-DFA0A04FC94B}">
-              <ma14:wrappingTextBoxFlag xmlns="" xmlns:ma14="http://schemas.microsoft.com/office/mac/drawingml/2011/main" val="1"/>
+              <ma14:wrappingTextBoxFlag xmlns:ma14="http://schemas.microsoft.com/office/mac/drawingml/2011/main" xmlns="" val="1"/>
             </a:ext>
           </a:extLst>
         </p:spPr>
@@ -8349,7 +8388,7 @@
           </a:ln>
           <a:extLst>
             <a:ext uri="{C572A759-6A51-4108-AA02-DFA0A04FC94B}">
-              <ma14:wrappingTextBoxFlag xmlns="" xmlns:ma14="http://schemas.microsoft.com/office/mac/drawingml/2011/main" val="1"/>
+              <ma14:wrappingTextBoxFlag xmlns:ma14="http://schemas.microsoft.com/office/mac/drawingml/2011/main" xmlns="" val="1"/>
             </a:ext>
           </a:extLst>
         </p:spPr>
@@ -8783,25 +8822,7 @@
                 </a:solidFill>
                 <a:latin typeface="Corporate S Medium" pitchFamily="2" charset="0"/>
               </a:rPr>
-              <a:t>(KI-Workflows, KI-</a:t>
-            </a:r>
-            <a:r>
-              <a:rPr lang="de-DE" sz="1425" dirty="0" err="1">
-                <a:solidFill>
-                  <a:schemeClr val="bg1"/>
-                </a:solidFill>
-                <a:latin typeface="Corporate S Medium" pitchFamily="2" charset="0"/>
-              </a:rPr>
-              <a:t>Infrastuktur</a:t>
-            </a:r>
-            <a:r>
-              <a:rPr lang="de-DE" sz="1425" dirty="0">
-                <a:solidFill>
-                  <a:schemeClr val="bg1"/>
-                </a:solidFill>
-                <a:latin typeface="Corporate S Medium" pitchFamily="2" charset="0"/>
-              </a:rPr>
-              <a:t>, Prozessoptimierung)</a:t>
+              <a:t>(KI-Workflows, KI-Infrastruktur, Prozessoptimierung)</a:t>
             </a:r>
           </a:p>
         </p:txBody>
